--- a/ppt 16-9/1552.心的归回.pptx
+++ b/ppt 16-9/1552.心的归回.pptx
@@ -129,7 +129,7 @@
           <p:cNvPr id="2" name="标题 1">
             <a:extLst>
               <a:ext uri="{FF2B5EF4-FFF2-40B4-BE49-F238E27FC236}">
-                <a16:creationId xmlns:a16="http://schemas.microsoft.com/office/drawing/2014/main" id="{0D453588-534A-9E71-A893-69CCC5713ADE}"/>
+                <a16:creationId xmlns:a16="http://schemas.microsoft.com/office/drawing/2014/main" id="{13E666C6-81D3-A00D-2146-1C1B48C60057}"/>
               </a:ext>
             </a:extLst>
           </p:cNvPr>
@@ -166,7 +166,7 @@
           <p:cNvPr id="3" name="副标题 2">
             <a:extLst>
               <a:ext uri="{FF2B5EF4-FFF2-40B4-BE49-F238E27FC236}">
-                <a16:creationId xmlns:a16="http://schemas.microsoft.com/office/drawing/2014/main" id="{2E076472-244B-9972-32AA-FA3C2EEC97EB}"/>
+                <a16:creationId xmlns:a16="http://schemas.microsoft.com/office/drawing/2014/main" id="{3FD0893A-C66F-C272-E875-C36B9673CD94}"/>
               </a:ext>
             </a:extLst>
           </p:cNvPr>
@@ -236,7 +236,7 @@
           <p:cNvPr id="4" name="日期占位符 3">
             <a:extLst>
               <a:ext uri="{FF2B5EF4-FFF2-40B4-BE49-F238E27FC236}">
-                <a16:creationId xmlns:a16="http://schemas.microsoft.com/office/drawing/2014/main" id="{5CDC81EE-733A-50CE-ACE3-05C53D1AC7ED}"/>
+                <a16:creationId xmlns:a16="http://schemas.microsoft.com/office/drawing/2014/main" id="{1A26F81A-64B2-661F-A825-07486C6E6EC7}"/>
               </a:ext>
             </a:extLst>
           </p:cNvPr>
@@ -252,7 +252,7 @@
           <a:bodyPr/>
           <a:lstStyle/>
           <a:p>
-            <a:fld id="{F9F97085-9682-4BDE-AA3A-8BCE1AE3DE29}" type="datetimeFigureOut">
+            <a:fld id="{A8057D1C-CCC7-4CCD-8BF8-18DE657A98BA}" type="datetimeFigureOut">
               <a:rPr lang="zh-CN" altLang="en-US" smtClean="0"/>
               <a:t>2024/3/10</a:t>
             </a:fld>
@@ -265,7 +265,7 @@
           <p:cNvPr id="5" name="页脚占位符 4">
             <a:extLst>
               <a:ext uri="{FF2B5EF4-FFF2-40B4-BE49-F238E27FC236}">
-                <a16:creationId xmlns:a16="http://schemas.microsoft.com/office/drawing/2014/main" id="{42580D59-8F89-D874-704B-2822FA61BC10}"/>
+                <a16:creationId xmlns:a16="http://schemas.microsoft.com/office/drawing/2014/main" id="{5F275DD9-6385-AE14-321D-84130E5972A8}"/>
               </a:ext>
             </a:extLst>
           </p:cNvPr>
@@ -290,7 +290,7 @@
           <p:cNvPr id="6" name="灯片编号占位符 5">
             <a:extLst>
               <a:ext uri="{FF2B5EF4-FFF2-40B4-BE49-F238E27FC236}">
-                <a16:creationId xmlns:a16="http://schemas.microsoft.com/office/drawing/2014/main" id="{97EE3274-115A-740D-0516-ADA268CF1924}"/>
+                <a16:creationId xmlns:a16="http://schemas.microsoft.com/office/drawing/2014/main" id="{B215DD7C-964F-4D90-F748-2659CA62A1D0}"/>
               </a:ext>
             </a:extLst>
           </p:cNvPr>
@@ -306,7 +306,7 @@
           <a:bodyPr/>
           <a:lstStyle/>
           <a:p>
-            <a:fld id="{DC008A85-4684-4734-A50F-EB70DCFAE14D}" type="slidenum">
+            <a:fld id="{D5B15110-2172-4E33-A2F6-114B7B011127}" type="slidenum">
               <a:rPr lang="zh-CN" altLang="en-US" smtClean="0"/>
               <a:t>‹#›</a:t>
             </a:fld>
@@ -317,7 +317,7 @@
     </p:spTree>
     <p:extLst>
       <p:ext uri="{BB962C8B-B14F-4D97-AF65-F5344CB8AC3E}">
-        <p14:creationId xmlns:p14="http://schemas.microsoft.com/office/powerpoint/2010/main" val="2269021877"/>
+        <p14:creationId xmlns:p14="http://schemas.microsoft.com/office/powerpoint/2010/main" val="3635676035"/>
       </p:ext>
     </p:extLst>
   </p:cSld>
@@ -349,7 +349,7 @@
           <p:cNvPr id="2" name="标题 1">
             <a:extLst>
               <a:ext uri="{FF2B5EF4-FFF2-40B4-BE49-F238E27FC236}">
-                <a16:creationId xmlns:a16="http://schemas.microsoft.com/office/drawing/2014/main" id="{525753D7-5F5F-C5CD-1980-962575A2C31D}"/>
+                <a16:creationId xmlns:a16="http://schemas.microsoft.com/office/drawing/2014/main" id="{27D6B210-E0D3-8C9F-F8F1-A81F7BEDB11E}"/>
               </a:ext>
             </a:extLst>
           </p:cNvPr>
@@ -377,7 +377,7 @@
           <p:cNvPr id="3" name="竖排文字占位符 2">
             <a:extLst>
               <a:ext uri="{FF2B5EF4-FFF2-40B4-BE49-F238E27FC236}">
-                <a16:creationId xmlns:a16="http://schemas.microsoft.com/office/drawing/2014/main" id="{1568B5A9-640A-6417-6C8A-4843FFF07B63}"/>
+                <a16:creationId xmlns:a16="http://schemas.microsoft.com/office/drawing/2014/main" id="{806425E7-5410-36F9-42BE-8FAD343F526D}"/>
               </a:ext>
             </a:extLst>
           </p:cNvPr>
@@ -434,7 +434,7 @@
           <p:cNvPr id="4" name="日期占位符 3">
             <a:extLst>
               <a:ext uri="{FF2B5EF4-FFF2-40B4-BE49-F238E27FC236}">
-                <a16:creationId xmlns:a16="http://schemas.microsoft.com/office/drawing/2014/main" id="{60748F77-85E5-775F-6026-46C05EBDD723}"/>
+                <a16:creationId xmlns:a16="http://schemas.microsoft.com/office/drawing/2014/main" id="{594C95EB-698F-4282-1D20-D93C99A3927A}"/>
               </a:ext>
             </a:extLst>
           </p:cNvPr>
@@ -450,7 +450,7 @@
           <a:bodyPr/>
           <a:lstStyle/>
           <a:p>
-            <a:fld id="{F9F97085-9682-4BDE-AA3A-8BCE1AE3DE29}" type="datetimeFigureOut">
+            <a:fld id="{A8057D1C-CCC7-4CCD-8BF8-18DE657A98BA}" type="datetimeFigureOut">
               <a:rPr lang="zh-CN" altLang="en-US" smtClean="0"/>
               <a:t>2024/3/10</a:t>
             </a:fld>
@@ -463,7 +463,7 @@
           <p:cNvPr id="5" name="页脚占位符 4">
             <a:extLst>
               <a:ext uri="{FF2B5EF4-FFF2-40B4-BE49-F238E27FC236}">
-                <a16:creationId xmlns:a16="http://schemas.microsoft.com/office/drawing/2014/main" id="{1DC9A024-A7C8-755E-27F8-D209F737CF3B}"/>
+                <a16:creationId xmlns:a16="http://schemas.microsoft.com/office/drawing/2014/main" id="{DCBEEA6D-11CF-5020-702D-CEEE32FB4710}"/>
               </a:ext>
             </a:extLst>
           </p:cNvPr>
@@ -488,7 +488,7 @@
           <p:cNvPr id="6" name="灯片编号占位符 5">
             <a:extLst>
               <a:ext uri="{FF2B5EF4-FFF2-40B4-BE49-F238E27FC236}">
-                <a16:creationId xmlns:a16="http://schemas.microsoft.com/office/drawing/2014/main" id="{038F08B5-BAD9-AEF2-B89F-A750A7D49EB4}"/>
+                <a16:creationId xmlns:a16="http://schemas.microsoft.com/office/drawing/2014/main" id="{36C757BE-59AA-9ECC-8D81-304A0742EA60}"/>
               </a:ext>
             </a:extLst>
           </p:cNvPr>
@@ -504,7 +504,7 @@
           <a:bodyPr/>
           <a:lstStyle/>
           <a:p>
-            <a:fld id="{DC008A85-4684-4734-A50F-EB70DCFAE14D}" type="slidenum">
+            <a:fld id="{D5B15110-2172-4E33-A2F6-114B7B011127}" type="slidenum">
               <a:rPr lang="zh-CN" altLang="en-US" smtClean="0"/>
               <a:t>‹#›</a:t>
             </a:fld>
@@ -515,7 +515,7 @@
     </p:spTree>
     <p:extLst>
       <p:ext uri="{BB962C8B-B14F-4D97-AF65-F5344CB8AC3E}">
-        <p14:creationId xmlns:p14="http://schemas.microsoft.com/office/powerpoint/2010/main" val="1295071067"/>
+        <p14:creationId xmlns:p14="http://schemas.microsoft.com/office/powerpoint/2010/main" val="670758131"/>
       </p:ext>
     </p:extLst>
   </p:cSld>
@@ -547,7 +547,7 @@
           <p:cNvPr id="2" name="竖排标题 1">
             <a:extLst>
               <a:ext uri="{FF2B5EF4-FFF2-40B4-BE49-F238E27FC236}">
-                <a16:creationId xmlns:a16="http://schemas.microsoft.com/office/drawing/2014/main" id="{8C9B01AA-6F39-F701-9D4D-03DCD5F410D8}"/>
+                <a16:creationId xmlns:a16="http://schemas.microsoft.com/office/drawing/2014/main" id="{73BFF38D-AB7C-91AC-04E2-8093F57708F7}"/>
               </a:ext>
             </a:extLst>
           </p:cNvPr>
@@ -580,7 +580,7 @@
           <p:cNvPr id="3" name="竖排文字占位符 2">
             <a:extLst>
               <a:ext uri="{FF2B5EF4-FFF2-40B4-BE49-F238E27FC236}">
-                <a16:creationId xmlns:a16="http://schemas.microsoft.com/office/drawing/2014/main" id="{5AAD6356-092F-1CBF-9D05-F36EC47FFE98}"/>
+                <a16:creationId xmlns:a16="http://schemas.microsoft.com/office/drawing/2014/main" id="{1A9592D0-33A3-000C-E34B-1886E944609B}"/>
               </a:ext>
             </a:extLst>
           </p:cNvPr>
@@ -642,7 +642,7 @@
           <p:cNvPr id="4" name="日期占位符 3">
             <a:extLst>
               <a:ext uri="{FF2B5EF4-FFF2-40B4-BE49-F238E27FC236}">
-                <a16:creationId xmlns:a16="http://schemas.microsoft.com/office/drawing/2014/main" id="{1C032DC3-828C-4578-64F1-32BA4E7B2E4F}"/>
+                <a16:creationId xmlns:a16="http://schemas.microsoft.com/office/drawing/2014/main" id="{7A573043-7501-807F-EE6C-03D65C20A105}"/>
               </a:ext>
             </a:extLst>
           </p:cNvPr>
@@ -658,7 +658,7 @@
           <a:bodyPr/>
           <a:lstStyle/>
           <a:p>
-            <a:fld id="{F9F97085-9682-4BDE-AA3A-8BCE1AE3DE29}" type="datetimeFigureOut">
+            <a:fld id="{A8057D1C-CCC7-4CCD-8BF8-18DE657A98BA}" type="datetimeFigureOut">
               <a:rPr lang="zh-CN" altLang="en-US" smtClean="0"/>
               <a:t>2024/3/10</a:t>
             </a:fld>
@@ -671,7 +671,7 @@
           <p:cNvPr id="5" name="页脚占位符 4">
             <a:extLst>
               <a:ext uri="{FF2B5EF4-FFF2-40B4-BE49-F238E27FC236}">
-                <a16:creationId xmlns:a16="http://schemas.microsoft.com/office/drawing/2014/main" id="{3A4C4AB4-A666-16DB-BB3D-6F1C27B11D0C}"/>
+                <a16:creationId xmlns:a16="http://schemas.microsoft.com/office/drawing/2014/main" id="{4BB9B675-E624-29F2-3B81-A57E57777AB6}"/>
               </a:ext>
             </a:extLst>
           </p:cNvPr>
@@ -696,7 +696,7 @@
           <p:cNvPr id="6" name="灯片编号占位符 5">
             <a:extLst>
               <a:ext uri="{FF2B5EF4-FFF2-40B4-BE49-F238E27FC236}">
-                <a16:creationId xmlns:a16="http://schemas.microsoft.com/office/drawing/2014/main" id="{1AE57FDC-7CC8-FC56-3058-ABEB2230D807}"/>
+                <a16:creationId xmlns:a16="http://schemas.microsoft.com/office/drawing/2014/main" id="{32D226FD-C6EA-D8D9-F6E3-70785EC3C5D3}"/>
               </a:ext>
             </a:extLst>
           </p:cNvPr>
@@ -712,7 +712,7 @@
           <a:bodyPr/>
           <a:lstStyle/>
           <a:p>
-            <a:fld id="{DC008A85-4684-4734-A50F-EB70DCFAE14D}" type="slidenum">
+            <a:fld id="{D5B15110-2172-4E33-A2F6-114B7B011127}" type="slidenum">
               <a:rPr lang="zh-CN" altLang="en-US" smtClean="0"/>
               <a:t>‹#›</a:t>
             </a:fld>
@@ -723,7 +723,7 @@
     </p:spTree>
     <p:extLst>
       <p:ext uri="{BB962C8B-B14F-4D97-AF65-F5344CB8AC3E}">
-        <p14:creationId xmlns:p14="http://schemas.microsoft.com/office/powerpoint/2010/main" val="3222858177"/>
+        <p14:creationId xmlns:p14="http://schemas.microsoft.com/office/powerpoint/2010/main" val="4105725491"/>
       </p:ext>
     </p:extLst>
   </p:cSld>
@@ -755,7 +755,7 @@
           <p:cNvPr id="2" name="标题 1">
             <a:extLst>
               <a:ext uri="{FF2B5EF4-FFF2-40B4-BE49-F238E27FC236}">
-                <a16:creationId xmlns:a16="http://schemas.microsoft.com/office/drawing/2014/main" id="{0CEF3D1D-33F1-6733-0031-B82BE3BEA816}"/>
+                <a16:creationId xmlns:a16="http://schemas.microsoft.com/office/drawing/2014/main" id="{7EFAED9E-9106-A4CA-2830-EEAD93DF56A3}"/>
               </a:ext>
             </a:extLst>
           </p:cNvPr>
@@ -783,7 +783,7 @@
           <p:cNvPr id="3" name="内容占位符 2">
             <a:extLst>
               <a:ext uri="{FF2B5EF4-FFF2-40B4-BE49-F238E27FC236}">
-                <a16:creationId xmlns:a16="http://schemas.microsoft.com/office/drawing/2014/main" id="{25AEA964-9A6A-6CEC-A29D-863D3F900E84}"/>
+                <a16:creationId xmlns:a16="http://schemas.microsoft.com/office/drawing/2014/main" id="{02BD1EE4-95F1-79CF-ABC8-541273063EBE}"/>
               </a:ext>
             </a:extLst>
           </p:cNvPr>
@@ -840,7 +840,7 @@
           <p:cNvPr id="4" name="日期占位符 3">
             <a:extLst>
               <a:ext uri="{FF2B5EF4-FFF2-40B4-BE49-F238E27FC236}">
-                <a16:creationId xmlns:a16="http://schemas.microsoft.com/office/drawing/2014/main" id="{D23BDFDC-758D-79C7-FEA5-92DF37FD3538}"/>
+                <a16:creationId xmlns:a16="http://schemas.microsoft.com/office/drawing/2014/main" id="{A2B79F26-6480-1C4E-8ECE-B7E2470B31C6}"/>
               </a:ext>
             </a:extLst>
           </p:cNvPr>
@@ -856,7 +856,7 @@
           <a:bodyPr/>
           <a:lstStyle/>
           <a:p>
-            <a:fld id="{F9F97085-9682-4BDE-AA3A-8BCE1AE3DE29}" type="datetimeFigureOut">
+            <a:fld id="{A8057D1C-CCC7-4CCD-8BF8-18DE657A98BA}" type="datetimeFigureOut">
               <a:rPr lang="zh-CN" altLang="en-US" smtClean="0"/>
               <a:t>2024/3/10</a:t>
             </a:fld>
@@ -869,7 +869,7 @@
           <p:cNvPr id="5" name="页脚占位符 4">
             <a:extLst>
               <a:ext uri="{FF2B5EF4-FFF2-40B4-BE49-F238E27FC236}">
-                <a16:creationId xmlns:a16="http://schemas.microsoft.com/office/drawing/2014/main" id="{1171D413-B6AA-8E0D-711B-07D78667853C}"/>
+                <a16:creationId xmlns:a16="http://schemas.microsoft.com/office/drawing/2014/main" id="{E8781AEC-1D75-9340-D2AB-00003504682F}"/>
               </a:ext>
             </a:extLst>
           </p:cNvPr>
@@ -894,7 +894,7 @@
           <p:cNvPr id="6" name="灯片编号占位符 5">
             <a:extLst>
               <a:ext uri="{FF2B5EF4-FFF2-40B4-BE49-F238E27FC236}">
-                <a16:creationId xmlns:a16="http://schemas.microsoft.com/office/drawing/2014/main" id="{546443A5-B0A9-9CF6-BF6F-3D16D7A7CD5D}"/>
+                <a16:creationId xmlns:a16="http://schemas.microsoft.com/office/drawing/2014/main" id="{4064BDE8-4E31-7387-9EC0-7AF647741139}"/>
               </a:ext>
             </a:extLst>
           </p:cNvPr>
@@ -910,7 +910,7 @@
           <a:bodyPr/>
           <a:lstStyle/>
           <a:p>
-            <a:fld id="{DC008A85-4684-4734-A50F-EB70DCFAE14D}" type="slidenum">
+            <a:fld id="{D5B15110-2172-4E33-A2F6-114B7B011127}" type="slidenum">
               <a:rPr lang="zh-CN" altLang="en-US" smtClean="0"/>
               <a:t>‹#›</a:t>
             </a:fld>
@@ -921,7 +921,7 @@
     </p:spTree>
     <p:extLst>
       <p:ext uri="{BB962C8B-B14F-4D97-AF65-F5344CB8AC3E}">
-        <p14:creationId xmlns:p14="http://schemas.microsoft.com/office/powerpoint/2010/main" val="3841497721"/>
+        <p14:creationId xmlns:p14="http://schemas.microsoft.com/office/powerpoint/2010/main" val="257361205"/>
       </p:ext>
     </p:extLst>
   </p:cSld>
@@ -953,7 +953,7 @@
           <p:cNvPr id="2" name="标题 1">
             <a:extLst>
               <a:ext uri="{FF2B5EF4-FFF2-40B4-BE49-F238E27FC236}">
-                <a16:creationId xmlns:a16="http://schemas.microsoft.com/office/drawing/2014/main" id="{D77A04E0-684D-82BC-5D99-D485BDC5CEBA}"/>
+                <a16:creationId xmlns:a16="http://schemas.microsoft.com/office/drawing/2014/main" id="{44945462-AB88-3BE3-0C14-3233F90FFDFD}"/>
               </a:ext>
             </a:extLst>
           </p:cNvPr>
@@ -990,7 +990,7 @@
           <p:cNvPr id="3" name="文本占位符 2">
             <a:extLst>
               <a:ext uri="{FF2B5EF4-FFF2-40B4-BE49-F238E27FC236}">
-                <a16:creationId xmlns:a16="http://schemas.microsoft.com/office/drawing/2014/main" id="{91CB008D-06DB-8E65-EF8A-2D56448D7E18}"/>
+                <a16:creationId xmlns:a16="http://schemas.microsoft.com/office/drawing/2014/main" id="{24C61963-7E83-F91B-3788-068FEB328483}"/>
               </a:ext>
             </a:extLst>
           </p:cNvPr>
@@ -1115,7 +1115,7 @@
           <p:cNvPr id="4" name="日期占位符 3">
             <a:extLst>
               <a:ext uri="{FF2B5EF4-FFF2-40B4-BE49-F238E27FC236}">
-                <a16:creationId xmlns:a16="http://schemas.microsoft.com/office/drawing/2014/main" id="{EECCF7CC-C60B-8C3A-27E1-AEA1EA66C448}"/>
+                <a16:creationId xmlns:a16="http://schemas.microsoft.com/office/drawing/2014/main" id="{E3E2AE3B-32C3-4279-AC33-2C10FE87B63A}"/>
               </a:ext>
             </a:extLst>
           </p:cNvPr>
@@ -1131,7 +1131,7 @@
           <a:bodyPr/>
           <a:lstStyle/>
           <a:p>
-            <a:fld id="{F9F97085-9682-4BDE-AA3A-8BCE1AE3DE29}" type="datetimeFigureOut">
+            <a:fld id="{A8057D1C-CCC7-4CCD-8BF8-18DE657A98BA}" type="datetimeFigureOut">
               <a:rPr lang="zh-CN" altLang="en-US" smtClean="0"/>
               <a:t>2024/3/10</a:t>
             </a:fld>
@@ -1144,7 +1144,7 @@
           <p:cNvPr id="5" name="页脚占位符 4">
             <a:extLst>
               <a:ext uri="{FF2B5EF4-FFF2-40B4-BE49-F238E27FC236}">
-                <a16:creationId xmlns:a16="http://schemas.microsoft.com/office/drawing/2014/main" id="{E8F8A7CA-098C-BEAC-B472-2328DE5E90C7}"/>
+                <a16:creationId xmlns:a16="http://schemas.microsoft.com/office/drawing/2014/main" id="{8F43FF21-06F6-49BF-43D0-65F9EFF494B7}"/>
               </a:ext>
             </a:extLst>
           </p:cNvPr>
@@ -1169,7 +1169,7 @@
           <p:cNvPr id="6" name="灯片编号占位符 5">
             <a:extLst>
               <a:ext uri="{FF2B5EF4-FFF2-40B4-BE49-F238E27FC236}">
-                <a16:creationId xmlns:a16="http://schemas.microsoft.com/office/drawing/2014/main" id="{DC4789C8-0C32-ACAB-565D-2130CF42F25B}"/>
+                <a16:creationId xmlns:a16="http://schemas.microsoft.com/office/drawing/2014/main" id="{E5D611FB-B0A8-2CA2-DCA6-962B0BE540D0}"/>
               </a:ext>
             </a:extLst>
           </p:cNvPr>
@@ -1185,7 +1185,7 @@
           <a:bodyPr/>
           <a:lstStyle/>
           <a:p>
-            <a:fld id="{DC008A85-4684-4734-A50F-EB70DCFAE14D}" type="slidenum">
+            <a:fld id="{D5B15110-2172-4E33-A2F6-114B7B011127}" type="slidenum">
               <a:rPr lang="zh-CN" altLang="en-US" smtClean="0"/>
               <a:t>‹#›</a:t>
             </a:fld>
@@ -1196,7 +1196,7 @@
     </p:spTree>
     <p:extLst>
       <p:ext uri="{BB962C8B-B14F-4D97-AF65-F5344CB8AC3E}">
-        <p14:creationId xmlns:p14="http://schemas.microsoft.com/office/powerpoint/2010/main" val="4032617646"/>
+        <p14:creationId xmlns:p14="http://schemas.microsoft.com/office/powerpoint/2010/main" val="1064698488"/>
       </p:ext>
     </p:extLst>
   </p:cSld>
@@ -1228,7 +1228,7 @@
           <p:cNvPr id="2" name="标题 1">
             <a:extLst>
               <a:ext uri="{FF2B5EF4-FFF2-40B4-BE49-F238E27FC236}">
-                <a16:creationId xmlns:a16="http://schemas.microsoft.com/office/drawing/2014/main" id="{80537037-74DB-B3C1-9D6D-712182D671C7}"/>
+                <a16:creationId xmlns:a16="http://schemas.microsoft.com/office/drawing/2014/main" id="{CC1A7318-6487-3205-84F1-A58E5C7DD1FB}"/>
               </a:ext>
             </a:extLst>
           </p:cNvPr>
@@ -1256,7 +1256,7 @@
           <p:cNvPr id="3" name="内容占位符 2">
             <a:extLst>
               <a:ext uri="{FF2B5EF4-FFF2-40B4-BE49-F238E27FC236}">
-                <a16:creationId xmlns:a16="http://schemas.microsoft.com/office/drawing/2014/main" id="{6A54801E-2514-D2E2-232C-77074576AB43}"/>
+                <a16:creationId xmlns:a16="http://schemas.microsoft.com/office/drawing/2014/main" id="{30FA7D98-2585-08A8-48BC-90F392230161}"/>
               </a:ext>
             </a:extLst>
           </p:cNvPr>
@@ -1318,7 +1318,7 @@
           <p:cNvPr id="4" name="内容占位符 3">
             <a:extLst>
               <a:ext uri="{FF2B5EF4-FFF2-40B4-BE49-F238E27FC236}">
-                <a16:creationId xmlns:a16="http://schemas.microsoft.com/office/drawing/2014/main" id="{FABD34E6-30D3-7783-6384-803EE44086D7}"/>
+                <a16:creationId xmlns:a16="http://schemas.microsoft.com/office/drawing/2014/main" id="{EB5A7FDE-D9DA-57AD-CF76-CFAF41DD86FB}"/>
               </a:ext>
             </a:extLst>
           </p:cNvPr>
@@ -1380,7 +1380,7 @@
           <p:cNvPr id="5" name="日期占位符 4">
             <a:extLst>
               <a:ext uri="{FF2B5EF4-FFF2-40B4-BE49-F238E27FC236}">
-                <a16:creationId xmlns:a16="http://schemas.microsoft.com/office/drawing/2014/main" id="{AA6FA770-08F6-8D5F-3309-FEE68D575F90}"/>
+                <a16:creationId xmlns:a16="http://schemas.microsoft.com/office/drawing/2014/main" id="{C26B6274-F22F-2694-C9F9-C02BFB18F733}"/>
               </a:ext>
             </a:extLst>
           </p:cNvPr>
@@ -1396,7 +1396,7 @@
           <a:bodyPr/>
           <a:lstStyle/>
           <a:p>
-            <a:fld id="{F9F97085-9682-4BDE-AA3A-8BCE1AE3DE29}" type="datetimeFigureOut">
+            <a:fld id="{A8057D1C-CCC7-4CCD-8BF8-18DE657A98BA}" type="datetimeFigureOut">
               <a:rPr lang="zh-CN" altLang="en-US" smtClean="0"/>
               <a:t>2024/3/10</a:t>
             </a:fld>
@@ -1409,7 +1409,7 @@
           <p:cNvPr id="6" name="页脚占位符 5">
             <a:extLst>
               <a:ext uri="{FF2B5EF4-FFF2-40B4-BE49-F238E27FC236}">
-                <a16:creationId xmlns:a16="http://schemas.microsoft.com/office/drawing/2014/main" id="{278D33EE-A2B9-B137-E4D9-C0B720688509}"/>
+                <a16:creationId xmlns:a16="http://schemas.microsoft.com/office/drawing/2014/main" id="{05E69D20-8398-F984-0AE6-57741F4946E8}"/>
               </a:ext>
             </a:extLst>
           </p:cNvPr>
@@ -1434,7 +1434,7 @@
           <p:cNvPr id="7" name="灯片编号占位符 6">
             <a:extLst>
               <a:ext uri="{FF2B5EF4-FFF2-40B4-BE49-F238E27FC236}">
-                <a16:creationId xmlns:a16="http://schemas.microsoft.com/office/drawing/2014/main" id="{91149235-5E17-B818-33EC-3D4F14201DBB}"/>
+                <a16:creationId xmlns:a16="http://schemas.microsoft.com/office/drawing/2014/main" id="{F2CF25D7-0CE9-6714-E8AD-77C77CEDC6E4}"/>
               </a:ext>
             </a:extLst>
           </p:cNvPr>
@@ -1450,7 +1450,7 @@
           <a:bodyPr/>
           <a:lstStyle/>
           <a:p>
-            <a:fld id="{DC008A85-4684-4734-A50F-EB70DCFAE14D}" type="slidenum">
+            <a:fld id="{D5B15110-2172-4E33-A2F6-114B7B011127}" type="slidenum">
               <a:rPr lang="zh-CN" altLang="en-US" smtClean="0"/>
               <a:t>‹#›</a:t>
             </a:fld>
@@ -1461,7 +1461,7 @@
     </p:spTree>
     <p:extLst>
       <p:ext uri="{BB962C8B-B14F-4D97-AF65-F5344CB8AC3E}">
-        <p14:creationId xmlns:p14="http://schemas.microsoft.com/office/powerpoint/2010/main" val="548366348"/>
+        <p14:creationId xmlns:p14="http://schemas.microsoft.com/office/powerpoint/2010/main" val="106559013"/>
       </p:ext>
     </p:extLst>
   </p:cSld>
@@ -1493,7 +1493,7 @@
           <p:cNvPr id="2" name="标题 1">
             <a:extLst>
               <a:ext uri="{FF2B5EF4-FFF2-40B4-BE49-F238E27FC236}">
-                <a16:creationId xmlns:a16="http://schemas.microsoft.com/office/drawing/2014/main" id="{1DAC478A-17C6-BD3D-5E2C-9DA3B3C2C132}"/>
+                <a16:creationId xmlns:a16="http://schemas.microsoft.com/office/drawing/2014/main" id="{1F9AAED1-A5B3-833B-F88A-F6C697EB1930}"/>
               </a:ext>
             </a:extLst>
           </p:cNvPr>
@@ -1526,7 +1526,7 @@
           <p:cNvPr id="3" name="文本占位符 2">
             <a:extLst>
               <a:ext uri="{FF2B5EF4-FFF2-40B4-BE49-F238E27FC236}">
-                <a16:creationId xmlns:a16="http://schemas.microsoft.com/office/drawing/2014/main" id="{61870E32-C309-CF69-4ECE-73F8E2425553}"/>
+                <a16:creationId xmlns:a16="http://schemas.microsoft.com/office/drawing/2014/main" id="{DD8435FF-79D4-2F41-1C54-A518A4BFD148}"/>
               </a:ext>
             </a:extLst>
           </p:cNvPr>
@@ -1597,7 +1597,7 @@
           <p:cNvPr id="4" name="内容占位符 3">
             <a:extLst>
               <a:ext uri="{FF2B5EF4-FFF2-40B4-BE49-F238E27FC236}">
-                <a16:creationId xmlns:a16="http://schemas.microsoft.com/office/drawing/2014/main" id="{A9743E07-8E35-50C8-F005-777AD25AA806}"/>
+                <a16:creationId xmlns:a16="http://schemas.microsoft.com/office/drawing/2014/main" id="{24EE9162-6B4F-DCFC-5EF7-2B763253AC2C}"/>
               </a:ext>
             </a:extLst>
           </p:cNvPr>
@@ -1659,7 +1659,7 @@
           <p:cNvPr id="5" name="文本占位符 4">
             <a:extLst>
               <a:ext uri="{FF2B5EF4-FFF2-40B4-BE49-F238E27FC236}">
-                <a16:creationId xmlns:a16="http://schemas.microsoft.com/office/drawing/2014/main" id="{61703948-2D13-B69B-CDDA-D5EBD1630EC7}"/>
+                <a16:creationId xmlns:a16="http://schemas.microsoft.com/office/drawing/2014/main" id="{6E026F9F-7EE4-F6E9-E414-32BC9381B636}"/>
               </a:ext>
             </a:extLst>
           </p:cNvPr>
@@ -1730,7 +1730,7 @@
           <p:cNvPr id="6" name="内容占位符 5">
             <a:extLst>
               <a:ext uri="{FF2B5EF4-FFF2-40B4-BE49-F238E27FC236}">
-                <a16:creationId xmlns:a16="http://schemas.microsoft.com/office/drawing/2014/main" id="{92510CE5-7E45-97E1-2A25-122F7691F695}"/>
+                <a16:creationId xmlns:a16="http://schemas.microsoft.com/office/drawing/2014/main" id="{A1F39741-9EA0-9F22-48ED-9CFAD819AF6C}"/>
               </a:ext>
             </a:extLst>
           </p:cNvPr>
@@ -1792,7 +1792,7 @@
           <p:cNvPr id="7" name="日期占位符 6">
             <a:extLst>
               <a:ext uri="{FF2B5EF4-FFF2-40B4-BE49-F238E27FC236}">
-                <a16:creationId xmlns:a16="http://schemas.microsoft.com/office/drawing/2014/main" id="{54D7139B-3E27-5A45-24AD-9F26AD14D60C}"/>
+                <a16:creationId xmlns:a16="http://schemas.microsoft.com/office/drawing/2014/main" id="{43959E0E-2CAC-BC77-D035-427C445BE24D}"/>
               </a:ext>
             </a:extLst>
           </p:cNvPr>
@@ -1808,7 +1808,7 @@
           <a:bodyPr/>
           <a:lstStyle/>
           <a:p>
-            <a:fld id="{F9F97085-9682-4BDE-AA3A-8BCE1AE3DE29}" type="datetimeFigureOut">
+            <a:fld id="{A8057D1C-CCC7-4CCD-8BF8-18DE657A98BA}" type="datetimeFigureOut">
               <a:rPr lang="zh-CN" altLang="en-US" smtClean="0"/>
               <a:t>2024/3/10</a:t>
             </a:fld>
@@ -1821,7 +1821,7 @@
           <p:cNvPr id="8" name="页脚占位符 7">
             <a:extLst>
               <a:ext uri="{FF2B5EF4-FFF2-40B4-BE49-F238E27FC236}">
-                <a16:creationId xmlns:a16="http://schemas.microsoft.com/office/drawing/2014/main" id="{F6AFA364-133C-E0B8-E02B-A874F73FAE97}"/>
+                <a16:creationId xmlns:a16="http://schemas.microsoft.com/office/drawing/2014/main" id="{E7A31504-3B1E-1C97-378D-786F55E6D9F1}"/>
               </a:ext>
             </a:extLst>
           </p:cNvPr>
@@ -1846,7 +1846,7 @@
           <p:cNvPr id="9" name="灯片编号占位符 8">
             <a:extLst>
               <a:ext uri="{FF2B5EF4-FFF2-40B4-BE49-F238E27FC236}">
-                <a16:creationId xmlns:a16="http://schemas.microsoft.com/office/drawing/2014/main" id="{67FAE588-080C-FA32-5643-454A97C5BFBB}"/>
+                <a16:creationId xmlns:a16="http://schemas.microsoft.com/office/drawing/2014/main" id="{BF0D075F-CDD0-5A4D-74D2-EB5C89B94545}"/>
               </a:ext>
             </a:extLst>
           </p:cNvPr>
@@ -1862,7 +1862,7 @@
           <a:bodyPr/>
           <a:lstStyle/>
           <a:p>
-            <a:fld id="{DC008A85-4684-4734-A50F-EB70DCFAE14D}" type="slidenum">
+            <a:fld id="{D5B15110-2172-4E33-A2F6-114B7B011127}" type="slidenum">
               <a:rPr lang="zh-CN" altLang="en-US" smtClean="0"/>
               <a:t>‹#›</a:t>
             </a:fld>
@@ -1873,7 +1873,7 @@
     </p:spTree>
     <p:extLst>
       <p:ext uri="{BB962C8B-B14F-4D97-AF65-F5344CB8AC3E}">
-        <p14:creationId xmlns:p14="http://schemas.microsoft.com/office/powerpoint/2010/main" val="670927100"/>
+        <p14:creationId xmlns:p14="http://schemas.microsoft.com/office/powerpoint/2010/main" val="2528348241"/>
       </p:ext>
     </p:extLst>
   </p:cSld>
@@ -1905,7 +1905,7 @@
           <p:cNvPr id="2" name="标题 1">
             <a:extLst>
               <a:ext uri="{FF2B5EF4-FFF2-40B4-BE49-F238E27FC236}">
-                <a16:creationId xmlns:a16="http://schemas.microsoft.com/office/drawing/2014/main" id="{4F3876E4-71CE-948B-8950-88AF99529292}"/>
+                <a16:creationId xmlns:a16="http://schemas.microsoft.com/office/drawing/2014/main" id="{2599A9A4-8E96-38F1-DB51-EE3C5248FF3F}"/>
               </a:ext>
             </a:extLst>
           </p:cNvPr>
@@ -1933,7 +1933,7 @@
           <p:cNvPr id="3" name="日期占位符 2">
             <a:extLst>
               <a:ext uri="{FF2B5EF4-FFF2-40B4-BE49-F238E27FC236}">
-                <a16:creationId xmlns:a16="http://schemas.microsoft.com/office/drawing/2014/main" id="{985835EA-3DF4-1254-7D27-01DFF77FA7B4}"/>
+                <a16:creationId xmlns:a16="http://schemas.microsoft.com/office/drawing/2014/main" id="{68184896-52E6-B1C4-C5FA-D9FDBB8835D4}"/>
               </a:ext>
             </a:extLst>
           </p:cNvPr>
@@ -1949,7 +1949,7 @@
           <a:bodyPr/>
           <a:lstStyle/>
           <a:p>
-            <a:fld id="{F9F97085-9682-4BDE-AA3A-8BCE1AE3DE29}" type="datetimeFigureOut">
+            <a:fld id="{A8057D1C-CCC7-4CCD-8BF8-18DE657A98BA}" type="datetimeFigureOut">
               <a:rPr lang="zh-CN" altLang="en-US" smtClean="0"/>
               <a:t>2024/3/10</a:t>
             </a:fld>
@@ -1962,7 +1962,7 @@
           <p:cNvPr id="4" name="页脚占位符 3">
             <a:extLst>
               <a:ext uri="{FF2B5EF4-FFF2-40B4-BE49-F238E27FC236}">
-                <a16:creationId xmlns:a16="http://schemas.microsoft.com/office/drawing/2014/main" id="{DC39174E-4972-4A0A-E0A8-0C03FBBFE2EE}"/>
+                <a16:creationId xmlns:a16="http://schemas.microsoft.com/office/drawing/2014/main" id="{C8EC24C2-1EA4-829A-7D72-AB9D046B84BB}"/>
               </a:ext>
             </a:extLst>
           </p:cNvPr>
@@ -1987,7 +1987,7 @@
           <p:cNvPr id="5" name="灯片编号占位符 4">
             <a:extLst>
               <a:ext uri="{FF2B5EF4-FFF2-40B4-BE49-F238E27FC236}">
-                <a16:creationId xmlns:a16="http://schemas.microsoft.com/office/drawing/2014/main" id="{3AF724CB-0C77-8240-F623-3B4F41975DBD}"/>
+                <a16:creationId xmlns:a16="http://schemas.microsoft.com/office/drawing/2014/main" id="{513D0C8B-D0CC-E981-6238-01487AF8D5E0}"/>
               </a:ext>
             </a:extLst>
           </p:cNvPr>
@@ -2003,7 +2003,7 @@
           <a:bodyPr/>
           <a:lstStyle/>
           <a:p>
-            <a:fld id="{DC008A85-4684-4734-A50F-EB70DCFAE14D}" type="slidenum">
+            <a:fld id="{D5B15110-2172-4E33-A2F6-114B7B011127}" type="slidenum">
               <a:rPr lang="zh-CN" altLang="en-US" smtClean="0"/>
               <a:t>‹#›</a:t>
             </a:fld>
@@ -2014,7 +2014,7 @@
     </p:spTree>
     <p:extLst>
       <p:ext uri="{BB962C8B-B14F-4D97-AF65-F5344CB8AC3E}">
-        <p14:creationId xmlns:p14="http://schemas.microsoft.com/office/powerpoint/2010/main" val="3335997447"/>
+        <p14:creationId xmlns:p14="http://schemas.microsoft.com/office/powerpoint/2010/main" val="1148435522"/>
       </p:ext>
     </p:extLst>
   </p:cSld>
@@ -2046,7 +2046,7 @@
           <p:cNvPr id="2" name="日期占位符 1">
             <a:extLst>
               <a:ext uri="{FF2B5EF4-FFF2-40B4-BE49-F238E27FC236}">
-                <a16:creationId xmlns:a16="http://schemas.microsoft.com/office/drawing/2014/main" id="{E925169F-58A9-E76E-1A56-A2D65111418E}"/>
+                <a16:creationId xmlns:a16="http://schemas.microsoft.com/office/drawing/2014/main" id="{E68D3A18-0A4E-15E1-C8A7-988188B8CEE6}"/>
               </a:ext>
             </a:extLst>
           </p:cNvPr>
@@ -2062,7 +2062,7 @@
           <a:bodyPr/>
           <a:lstStyle/>
           <a:p>
-            <a:fld id="{F9F97085-9682-4BDE-AA3A-8BCE1AE3DE29}" type="datetimeFigureOut">
+            <a:fld id="{A8057D1C-CCC7-4CCD-8BF8-18DE657A98BA}" type="datetimeFigureOut">
               <a:rPr lang="zh-CN" altLang="en-US" smtClean="0"/>
               <a:t>2024/3/10</a:t>
             </a:fld>
@@ -2075,7 +2075,7 @@
           <p:cNvPr id="3" name="页脚占位符 2">
             <a:extLst>
               <a:ext uri="{FF2B5EF4-FFF2-40B4-BE49-F238E27FC236}">
-                <a16:creationId xmlns:a16="http://schemas.microsoft.com/office/drawing/2014/main" id="{A472EEDE-CF2B-54FA-A92B-E398471C6A82}"/>
+                <a16:creationId xmlns:a16="http://schemas.microsoft.com/office/drawing/2014/main" id="{BC3639AD-4AAF-D5A3-CAB3-4CE65D140D60}"/>
               </a:ext>
             </a:extLst>
           </p:cNvPr>
@@ -2100,7 +2100,7 @@
           <p:cNvPr id="4" name="灯片编号占位符 3">
             <a:extLst>
               <a:ext uri="{FF2B5EF4-FFF2-40B4-BE49-F238E27FC236}">
-                <a16:creationId xmlns:a16="http://schemas.microsoft.com/office/drawing/2014/main" id="{A1850870-21FD-4546-B5BC-F6227D51D8E4}"/>
+                <a16:creationId xmlns:a16="http://schemas.microsoft.com/office/drawing/2014/main" id="{39B6EB84-1AD9-F8A0-ACA6-ECD3FC72F70F}"/>
               </a:ext>
             </a:extLst>
           </p:cNvPr>
@@ -2116,7 +2116,7 @@
           <a:bodyPr/>
           <a:lstStyle/>
           <a:p>
-            <a:fld id="{DC008A85-4684-4734-A50F-EB70DCFAE14D}" type="slidenum">
+            <a:fld id="{D5B15110-2172-4E33-A2F6-114B7B011127}" type="slidenum">
               <a:rPr lang="zh-CN" altLang="en-US" smtClean="0"/>
               <a:t>‹#›</a:t>
             </a:fld>
@@ -2127,7 +2127,7 @@
     </p:spTree>
     <p:extLst>
       <p:ext uri="{BB962C8B-B14F-4D97-AF65-F5344CB8AC3E}">
-        <p14:creationId xmlns:p14="http://schemas.microsoft.com/office/powerpoint/2010/main" val="3865721694"/>
+        <p14:creationId xmlns:p14="http://schemas.microsoft.com/office/powerpoint/2010/main" val="1886436224"/>
       </p:ext>
     </p:extLst>
   </p:cSld>
@@ -2159,7 +2159,7 @@
           <p:cNvPr id="2" name="标题 1">
             <a:extLst>
               <a:ext uri="{FF2B5EF4-FFF2-40B4-BE49-F238E27FC236}">
-                <a16:creationId xmlns:a16="http://schemas.microsoft.com/office/drawing/2014/main" id="{E8B39FFB-C76B-17FB-5E73-C3BC6E00776D}"/>
+                <a16:creationId xmlns:a16="http://schemas.microsoft.com/office/drawing/2014/main" id="{1A5272CB-571D-E606-F3A4-85CCE1A871BC}"/>
               </a:ext>
             </a:extLst>
           </p:cNvPr>
@@ -2196,7 +2196,7 @@
           <p:cNvPr id="3" name="内容占位符 2">
             <a:extLst>
               <a:ext uri="{FF2B5EF4-FFF2-40B4-BE49-F238E27FC236}">
-                <a16:creationId xmlns:a16="http://schemas.microsoft.com/office/drawing/2014/main" id="{EAC89CD5-900D-D7B6-757C-F71AB3FE5176}"/>
+                <a16:creationId xmlns:a16="http://schemas.microsoft.com/office/drawing/2014/main" id="{F6488DEF-5C67-8940-3567-26202CFB963E}"/>
               </a:ext>
             </a:extLst>
           </p:cNvPr>
@@ -2286,7 +2286,7 @@
           <p:cNvPr id="4" name="文本占位符 3">
             <a:extLst>
               <a:ext uri="{FF2B5EF4-FFF2-40B4-BE49-F238E27FC236}">
-                <a16:creationId xmlns:a16="http://schemas.microsoft.com/office/drawing/2014/main" id="{68A27784-CA62-4FE7-51D9-DD0FFF6AA111}"/>
+                <a16:creationId xmlns:a16="http://schemas.microsoft.com/office/drawing/2014/main" id="{2E97FA19-8127-C278-FB05-7A10F81B8A55}"/>
               </a:ext>
             </a:extLst>
           </p:cNvPr>
@@ -2357,7 +2357,7 @@
           <p:cNvPr id="5" name="日期占位符 4">
             <a:extLst>
               <a:ext uri="{FF2B5EF4-FFF2-40B4-BE49-F238E27FC236}">
-                <a16:creationId xmlns:a16="http://schemas.microsoft.com/office/drawing/2014/main" id="{721395B1-3C96-5DAB-6B35-1FB903F1522C}"/>
+                <a16:creationId xmlns:a16="http://schemas.microsoft.com/office/drawing/2014/main" id="{2AC46675-BE05-5C05-5498-ADBEA22B786F}"/>
               </a:ext>
             </a:extLst>
           </p:cNvPr>
@@ -2373,7 +2373,7 @@
           <a:bodyPr/>
           <a:lstStyle/>
           <a:p>
-            <a:fld id="{F9F97085-9682-4BDE-AA3A-8BCE1AE3DE29}" type="datetimeFigureOut">
+            <a:fld id="{A8057D1C-CCC7-4CCD-8BF8-18DE657A98BA}" type="datetimeFigureOut">
               <a:rPr lang="zh-CN" altLang="en-US" smtClean="0"/>
               <a:t>2024/3/10</a:t>
             </a:fld>
@@ -2386,7 +2386,7 @@
           <p:cNvPr id="6" name="页脚占位符 5">
             <a:extLst>
               <a:ext uri="{FF2B5EF4-FFF2-40B4-BE49-F238E27FC236}">
-                <a16:creationId xmlns:a16="http://schemas.microsoft.com/office/drawing/2014/main" id="{DD012943-4B25-7999-E27C-2405B6832589}"/>
+                <a16:creationId xmlns:a16="http://schemas.microsoft.com/office/drawing/2014/main" id="{0705E029-50A3-96BD-3746-5E2CF601BB6C}"/>
               </a:ext>
             </a:extLst>
           </p:cNvPr>
@@ -2411,7 +2411,7 @@
           <p:cNvPr id="7" name="灯片编号占位符 6">
             <a:extLst>
               <a:ext uri="{FF2B5EF4-FFF2-40B4-BE49-F238E27FC236}">
-                <a16:creationId xmlns:a16="http://schemas.microsoft.com/office/drawing/2014/main" id="{738C5F97-481C-BA80-31EF-169D26A34BCD}"/>
+                <a16:creationId xmlns:a16="http://schemas.microsoft.com/office/drawing/2014/main" id="{5538C2DE-5C7C-1341-4812-7CDC99AAACE4}"/>
               </a:ext>
             </a:extLst>
           </p:cNvPr>
@@ -2427,7 +2427,7 @@
           <a:bodyPr/>
           <a:lstStyle/>
           <a:p>
-            <a:fld id="{DC008A85-4684-4734-A50F-EB70DCFAE14D}" type="slidenum">
+            <a:fld id="{D5B15110-2172-4E33-A2F6-114B7B011127}" type="slidenum">
               <a:rPr lang="zh-CN" altLang="en-US" smtClean="0"/>
               <a:t>‹#›</a:t>
             </a:fld>
@@ -2438,7 +2438,7 @@
     </p:spTree>
     <p:extLst>
       <p:ext uri="{BB962C8B-B14F-4D97-AF65-F5344CB8AC3E}">
-        <p14:creationId xmlns:p14="http://schemas.microsoft.com/office/powerpoint/2010/main" val="1142120309"/>
+        <p14:creationId xmlns:p14="http://schemas.microsoft.com/office/powerpoint/2010/main" val="3741668500"/>
       </p:ext>
     </p:extLst>
   </p:cSld>
@@ -2470,7 +2470,7 @@
           <p:cNvPr id="2" name="标题 1">
             <a:extLst>
               <a:ext uri="{FF2B5EF4-FFF2-40B4-BE49-F238E27FC236}">
-                <a16:creationId xmlns:a16="http://schemas.microsoft.com/office/drawing/2014/main" id="{E545A16F-9D3F-C09E-768E-735F322738ED}"/>
+                <a16:creationId xmlns:a16="http://schemas.microsoft.com/office/drawing/2014/main" id="{A313D934-3D82-8567-5BC0-F9BDFEFC5C7B}"/>
               </a:ext>
             </a:extLst>
           </p:cNvPr>
@@ -2507,7 +2507,7 @@
           <p:cNvPr id="3" name="图片占位符 2">
             <a:extLst>
               <a:ext uri="{FF2B5EF4-FFF2-40B4-BE49-F238E27FC236}">
-                <a16:creationId xmlns:a16="http://schemas.microsoft.com/office/drawing/2014/main" id="{2B67A92B-7761-ADE2-87B9-8B2E6CA051F7}"/>
+                <a16:creationId xmlns:a16="http://schemas.microsoft.com/office/drawing/2014/main" id="{3E2DE6FB-38C8-DABF-0023-1B0E43DEB281}"/>
               </a:ext>
             </a:extLst>
           </p:cNvPr>
@@ -2574,7 +2574,7 @@
           <p:cNvPr id="4" name="文本占位符 3">
             <a:extLst>
               <a:ext uri="{FF2B5EF4-FFF2-40B4-BE49-F238E27FC236}">
-                <a16:creationId xmlns:a16="http://schemas.microsoft.com/office/drawing/2014/main" id="{7A4E24CB-553C-B204-BFA9-890CEDB03921}"/>
+                <a16:creationId xmlns:a16="http://schemas.microsoft.com/office/drawing/2014/main" id="{AB815906-EB54-33D5-9FE2-2EA651C13C91}"/>
               </a:ext>
             </a:extLst>
           </p:cNvPr>
@@ -2645,7 +2645,7 @@
           <p:cNvPr id="5" name="日期占位符 4">
             <a:extLst>
               <a:ext uri="{FF2B5EF4-FFF2-40B4-BE49-F238E27FC236}">
-                <a16:creationId xmlns:a16="http://schemas.microsoft.com/office/drawing/2014/main" id="{FF9399D3-836C-0C94-0403-2678AF36DE26}"/>
+                <a16:creationId xmlns:a16="http://schemas.microsoft.com/office/drawing/2014/main" id="{4DDA227D-350E-FD9B-9750-DA6A8D9F3788}"/>
               </a:ext>
             </a:extLst>
           </p:cNvPr>
@@ -2661,7 +2661,7 @@
           <a:bodyPr/>
           <a:lstStyle/>
           <a:p>
-            <a:fld id="{F9F97085-9682-4BDE-AA3A-8BCE1AE3DE29}" type="datetimeFigureOut">
+            <a:fld id="{A8057D1C-CCC7-4CCD-8BF8-18DE657A98BA}" type="datetimeFigureOut">
               <a:rPr lang="zh-CN" altLang="en-US" smtClean="0"/>
               <a:t>2024/3/10</a:t>
             </a:fld>
@@ -2674,7 +2674,7 @@
           <p:cNvPr id="6" name="页脚占位符 5">
             <a:extLst>
               <a:ext uri="{FF2B5EF4-FFF2-40B4-BE49-F238E27FC236}">
-                <a16:creationId xmlns:a16="http://schemas.microsoft.com/office/drawing/2014/main" id="{0BD5AEEA-A164-8809-872B-848EF13B4AD2}"/>
+                <a16:creationId xmlns:a16="http://schemas.microsoft.com/office/drawing/2014/main" id="{9DF91294-B1C1-7E18-036C-CD60A2F94B5C}"/>
               </a:ext>
             </a:extLst>
           </p:cNvPr>
@@ -2699,7 +2699,7 @@
           <p:cNvPr id="7" name="灯片编号占位符 6">
             <a:extLst>
               <a:ext uri="{FF2B5EF4-FFF2-40B4-BE49-F238E27FC236}">
-                <a16:creationId xmlns:a16="http://schemas.microsoft.com/office/drawing/2014/main" id="{389D9148-0BEC-CA7C-2364-1C04C312A0E3}"/>
+                <a16:creationId xmlns:a16="http://schemas.microsoft.com/office/drawing/2014/main" id="{6B4C5F3D-3EAA-64AE-514F-74BBEC9EB18B}"/>
               </a:ext>
             </a:extLst>
           </p:cNvPr>
@@ -2715,7 +2715,7 @@
           <a:bodyPr/>
           <a:lstStyle/>
           <a:p>
-            <a:fld id="{DC008A85-4684-4734-A50F-EB70DCFAE14D}" type="slidenum">
+            <a:fld id="{D5B15110-2172-4E33-A2F6-114B7B011127}" type="slidenum">
               <a:rPr lang="zh-CN" altLang="en-US" smtClean="0"/>
               <a:t>‹#›</a:t>
             </a:fld>
@@ -2726,7 +2726,7 @@
     </p:spTree>
     <p:extLst>
       <p:ext uri="{BB962C8B-B14F-4D97-AF65-F5344CB8AC3E}">
-        <p14:creationId xmlns:p14="http://schemas.microsoft.com/office/powerpoint/2010/main" val="3380079055"/>
+        <p14:creationId xmlns:p14="http://schemas.microsoft.com/office/powerpoint/2010/main" val="3213841436"/>
       </p:ext>
     </p:extLst>
   </p:cSld>
@@ -2763,7 +2763,7 @@
           <p:cNvPr id="2" name="标题占位符 1">
             <a:extLst>
               <a:ext uri="{FF2B5EF4-FFF2-40B4-BE49-F238E27FC236}">
-                <a16:creationId xmlns:a16="http://schemas.microsoft.com/office/drawing/2014/main" id="{BDE179D9-8617-D0BB-B70C-60A59A654F57}"/>
+                <a16:creationId xmlns:a16="http://schemas.microsoft.com/office/drawing/2014/main" id="{C70CEFDE-A570-39FC-EBC2-BF76B95F2EDE}"/>
               </a:ext>
             </a:extLst>
           </p:cNvPr>
@@ -2801,7 +2801,7 @@
           <p:cNvPr id="3" name="文本占位符 2">
             <a:extLst>
               <a:ext uri="{FF2B5EF4-FFF2-40B4-BE49-F238E27FC236}">
-                <a16:creationId xmlns:a16="http://schemas.microsoft.com/office/drawing/2014/main" id="{B3DFF164-2B91-0179-3578-07C1FCBFF17A}"/>
+                <a16:creationId xmlns:a16="http://schemas.microsoft.com/office/drawing/2014/main" id="{985FE93C-4F04-BC51-6792-F70C26FDD1AE}"/>
               </a:ext>
             </a:extLst>
           </p:cNvPr>
@@ -2868,7 +2868,7 @@
           <p:cNvPr id="4" name="日期占位符 3">
             <a:extLst>
               <a:ext uri="{FF2B5EF4-FFF2-40B4-BE49-F238E27FC236}">
-                <a16:creationId xmlns:a16="http://schemas.microsoft.com/office/drawing/2014/main" id="{9A1CB40D-B333-A4DE-4783-C66B30617C57}"/>
+                <a16:creationId xmlns:a16="http://schemas.microsoft.com/office/drawing/2014/main" id="{1DE0436B-E085-0300-9FBE-21A67D35D036}"/>
               </a:ext>
             </a:extLst>
           </p:cNvPr>
@@ -2902,7 +2902,7 @@
             </a:lvl1pPr>
           </a:lstStyle>
           <a:p>
-            <a:fld id="{F9F97085-9682-4BDE-AA3A-8BCE1AE3DE29}" type="datetimeFigureOut">
+            <a:fld id="{A8057D1C-CCC7-4CCD-8BF8-18DE657A98BA}" type="datetimeFigureOut">
               <a:rPr lang="zh-CN" altLang="en-US" smtClean="0"/>
               <a:t>2024/3/10</a:t>
             </a:fld>
@@ -2915,7 +2915,7 @@
           <p:cNvPr id="5" name="页脚占位符 4">
             <a:extLst>
               <a:ext uri="{FF2B5EF4-FFF2-40B4-BE49-F238E27FC236}">
-                <a16:creationId xmlns:a16="http://schemas.microsoft.com/office/drawing/2014/main" id="{AAE11FA0-2D90-CEA4-77CC-A37E8F4877B0}"/>
+                <a16:creationId xmlns:a16="http://schemas.microsoft.com/office/drawing/2014/main" id="{EEA2B087-5D35-022D-F1E0-DD4F620E9CC8}"/>
               </a:ext>
             </a:extLst>
           </p:cNvPr>
@@ -2958,7 +2958,7 @@
           <p:cNvPr id="6" name="灯片编号占位符 5">
             <a:extLst>
               <a:ext uri="{FF2B5EF4-FFF2-40B4-BE49-F238E27FC236}">
-                <a16:creationId xmlns:a16="http://schemas.microsoft.com/office/drawing/2014/main" id="{775C6DA0-5A39-F0C3-2FC3-F2AC5FE76A54}"/>
+                <a16:creationId xmlns:a16="http://schemas.microsoft.com/office/drawing/2014/main" id="{A5ED7733-70D0-45F8-464C-0A1465EC4B7E}"/>
               </a:ext>
             </a:extLst>
           </p:cNvPr>
@@ -2992,7 +2992,7 @@
             </a:lvl1pPr>
           </a:lstStyle>
           <a:p>
-            <a:fld id="{DC008A85-4684-4734-A50F-EB70DCFAE14D}" type="slidenum">
+            <a:fld id="{D5B15110-2172-4E33-A2F6-114B7B011127}" type="slidenum">
               <a:rPr lang="zh-CN" altLang="en-US" smtClean="0"/>
               <a:t>‹#›</a:t>
             </a:fld>
@@ -3003,7 +3003,7 @@
     </p:spTree>
     <p:extLst>
       <p:ext uri="{BB962C8B-B14F-4D97-AF65-F5344CB8AC3E}">
-        <p14:creationId xmlns:p14="http://schemas.microsoft.com/office/powerpoint/2010/main" val="2071493915"/>
+        <p14:creationId xmlns:p14="http://schemas.microsoft.com/office/powerpoint/2010/main" val="2991584911"/>
       </p:ext>
     </p:extLst>
   </p:cSld>
